--- a/REACT.pptx
+++ b/REACT.pptx
@@ -9,8 +9,8 @@
     <p:sldId id="257" r:id="rId3"/>
     <p:sldId id="262" r:id="rId4"/>
     <p:sldId id="259" r:id="rId5"/>
-    <p:sldId id="260" r:id="rId6"/>
-    <p:sldId id="261" r:id="rId7"/>
+    <p:sldId id="261" r:id="rId6"/>
+    <p:sldId id="260" r:id="rId7"/>
   </p:sldIdLst>
   <p:sldSz cx="12192000" cy="6858000"/>
   <p:notesSz cx="6858000" cy="9144000"/>
@@ -109,6 +109,11 @@
       </a:defRPr>
     </a:lvl9pPr>
   </p:defaultTextStyle>
+  <p:extLst>
+    <p:ext uri="{EFAFB233-063F-42B5-8137-9DF3F51BA10A}">
+      <p15:sldGuideLst xmlns:p15="http://schemas.microsoft.com/office/powerpoint/2012/main"/>
+    </p:ext>
+  </p:extLst>
 </p:presentation>
 </file>
 
@@ -182,7 +187,7 @@
           <inkml:channelProperty channel="F" name="resolution" value="0" units="1/dev"/>
         </inkml:channelProperties>
       </inkml:inkSource>
-      <inkml:timestamp xml:id="ts0" timeString="2022-04-12T07:43:28.735"/>
+      <inkml:timestamp xml:id="ts0" timeString="2022-04-12T07:37:08.529"/>
     </inkml:context>
     <inkml:brush xml:id="br0">
       <inkml:brushProperty name="width" value="0.05" units="cm"/>
@@ -209,7 +214,7 @@
           <inkml:channelProperty channel="F" name="resolution" value="0" units="1/dev"/>
         </inkml:channelProperties>
       </inkml:inkSource>
-      <inkml:timestamp xml:id="ts0" timeString="2022-04-12T07:37:08.529"/>
+      <inkml:timestamp xml:id="ts0" timeString="2022-04-12T07:43:28.735"/>
     </inkml:context>
     <inkml:brush xml:id="br0">
       <inkml:brushProperty name="width" value="0.05" units="cm"/>
@@ -3266,8 +3271,8 @@
           </a:p>
         </p:txBody>
       </p:sp>
-      <mc:AlternateContent xmlns:mc="http://schemas.openxmlformats.org/markup-compatibility/2006">
-        <mc:Choice xmlns:p14="http://schemas.microsoft.com/office/powerpoint/2010/main" Requires="p14">
+      <mc:AlternateContent xmlns:mc="http://schemas.openxmlformats.org/markup-compatibility/2006" xmlns:p14="http://schemas.microsoft.com/office/powerpoint/2010/main">
+        <mc:Choice Requires="p14">
           <p:contentPart p14:bwMode="auto" r:id="rId14">
             <p14:nvContentPartPr>
               <p14:cNvPr id="18" name="Ink 17">
@@ -3286,7 +3291,7 @@
             </p14:xfrm>
           </p:contentPart>
         </mc:Choice>
-        <mc:Fallback>
+        <mc:Fallback xmlns="">
           <p:pic>
             <p:nvPicPr>
               <p:cNvPr id="18" name="Ink 17">
@@ -5102,8 +5107,8 @@
           </a:prstGeom>
         </p:spPr>
       </p:pic>
-      <mc:AlternateContent xmlns:mc="http://schemas.openxmlformats.org/markup-compatibility/2006">
-        <mc:Choice xmlns:p14="http://schemas.microsoft.com/office/powerpoint/2010/main" Requires="p14">
+      <mc:AlternateContent xmlns:mc="http://schemas.openxmlformats.org/markup-compatibility/2006" xmlns:p14="http://schemas.microsoft.com/office/powerpoint/2010/main">
+        <mc:Choice Requires="p14">
           <p:contentPart p14:bwMode="auto" r:id="rId3">
             <p14:nvContentPartPr>
               <p14:cNvPr id="12" name="Ink 11">
@@ -5133,7 +5138,7 @@
             </p14:xfrm>
           </p:contentPart>
         </mc:Choice>
-        <mc:Fallback>
+        <mc:Fallback xmlns="">
           <p:pic>
             <p:nvPicPr>
               <p:cNvPr id="12" name="Ink 11">
@@ -7953,12 +7958,24 @@
           <a:p>
             <a:r>
               <a:rPr lang="fr-FR" dirty="0"/>
-              <a:t> Création de compte pour enregistrer les mangas déjà lu </a:t>
+              <a:t> Création de compte pour enregistrer les mangas déjà lu et favoris </a:t>
+            </a:r>
+          </a:p>
+          <a:p>
+            <a:r>
+              <a:rPr lang="fr-FR" dirty="0"/>
+              <a:t>Ajout de mangas </a:t>
             </a:r>
             <a:r>
               <a:rPr lang="fr-FR"/>
-              <a:t>et favoris </a:t>
+              <a:t>dans l’api </a:t>
             </a:r>
+          </a:p>
+          <a:p>
+            <a:pPr marL="0" indent="0">
+              <a:buNone/>
+            </a:pPr>
+            <a:endParaRPr lang="fr-FR"/>
           </a:p>
           <a:p>
             <a:endParaRPr lang="fr-FR" dirty="0"/>
@@ -8051,8 +8068,8 @@
           </a:prstGeom>
         </p:spPr>
       </p:pic>
-      <mc:AlternateContent xmlns:mc="http://schemas.openxmlformats.org/markup-compatibility/2006">
-        <mc:Choice xmlns:p14="http://schemas.microsoft.com/office/powerpoint/2010/main" Requires="p14">
+      <mc:AlternateContent xmlns:mc="http://schemas.openxmlformats.org/markup-compatibility/2006" xmlns:p14="http://schemas.microsoft.com/office/powerpoint/2010/main">
+        <mc:Choice Requires="p14">
           <p:contentPart p14:bwMode="auto" r:id="rId3">
             <p14:nvContentPartPr>
               <p14:cNvPr id="73" name="Ink 72">
@@ -8082,7 +8099,7 @@
             </p14:xfrm>
           </p:contentPart>
         </mc:Choice>
-        <mc:Fallback>
+        <mc:Fallback xmlns="">
           <p:pic>
             <p:nvPicPr>
               <p:cNvPr id="73" name="Ink 72">
@@ -10728,7 +10745,7 @@
           <p:cNvPr id="2" name="Titre 1">
             <a:extLst>
               <a:ext uri="{FF2B5EF4-FFF2-40B4-BE49-F238E27FC236}">
-                <a16:creationId xmlns:a16="http://schemas.microsoft.com/office/drawing/2014/main" id="{8341910C-8EAD-4D9B-922B-EA8FDEF736E3}"/>
+                <a16:creationId xmlns:a16="http://schemas.microsoft.com/office/drawing/2014/main" id="{0107320E-7A0A-41EF-929A-E97AEFD8B8AB}"/>
               </a:ext>
             </a:extLst>
           </p:cNvPr>
@@ -10753,18 +10770,18 @@
           <a:p>
             <a:pPr algn="ctr"/>
             <a:r>
-              <a:rPr lang="en-US"/>
-              <a:t>Conclusion </a:t>
+              <a:rPr lang="en-US" sz="2200"/>
+              <a:t>Démonstration </a:t>
             </a:r>
           </a:p>
         </p:txBody>
       </p:sp>
       <p:pic>
         <p:nvPicPr>
-          <p:cNvPr id="3074" name="Picture 2" descr="CONCLUSION Illustration Stock | Adobe Stock">
+          <p:cNvPr id="2050" name="Picture 2" descr="6 conseils pour réussir sa démonstration de produit">
             <a:extLst>
               <a:ext uri="{FF2B5EF4-FFF2-40B4-BE49-F238E27FC236}">
-                <a16:creationId xmlns:a16="http://schemas.microsoft.com/office/drawing/2014/main" id="{95432120-52E8-444F-B30E-B8956CAB4335}"/>
+                <a16:creationId xmlns:a16="http://schemas.microsoft.com/office/drawing/2014/main" id="{F3613655-CB48-4B77-A551-232D2FFEA4FA}"/>
               </a:ext>
             </a:extLst>
           </p:cNvPr>
@@ -10775,7 +10792,7 @@
             <p:ph idx="1"/>
           </p:nvPr>
         </p:nvPicPr>
-        <p:blipFill rotWithShape="1">
+        <p:blipFill>
           <a:blip r:embed="rId5">
             <a:extLst>
               <a:ext uri="{28A0092B-C50C-407E-A947-70E740481C1C}">
@@ -10783,13 +10800,14 @@
               </a:ext>
             </a:extLst>
           </a:blip>
-          <a:srcRect l="4249" t="-536" r="-1276" b="536"/>
-          <a:stretch/>
+          <a:stretch>
+            <a:fillRect/>
+          </a:stretch>
         </p:blipFill>
         <p:spPr bwMode="auto">
           <a:xfrm>
-            <a:off x="5865919" y="1357041"/>
-            <a:ext cx="5682953" cy="4143915"/>
+            <a:off x="5617029" y="1503731"/>
+            <a:ext cx="5857124" cy="3894987"/>
           </a:xfrm>
           <a:prstGeom prst="rect">
             <a:avLst/>
@@ -10809,7 +10827,7 @@
     </p:spTree>
     <p:extLst>
       <p:ext uri="{BB962C8B-B14F-4D97-AF65-F5344CB8AC3E}">
-        <p14:creationId xmlns:p14="http://schemas.microsoft.com/office/powerpoint/2010/main" val="319242780"/>
+        <p14:creationId xmlns:p14="http://schemas.microsoft.com/office/powerpoint/2010/main" val="584674011"/>
       </p:ext>
     </p:extLst>
   </p:cSld>
@@ -10889,8 +10907,8 @@
           </a:prstGeom>
         </p:spPr>
       </p:pic>
-      <mc:AlternateContent xmlns:mc="http://schemas.openxmlformats.org/markup-compatibility/2006">
-        <mc:Choice xmlns:p14="http://schemas.microsoft.com/office/powerpoint/2010/main" Requires="p14">
+      <mc:AlternateContent xmlns:mc="http://schemas.openxmlformats.org/markup-compatibility/2006" xmlns:p14="http://schemas.microsoft.com/office/powerpoint/2010/main">
+        <mc:Choice Requires="p14">
           <p:contentPart p14:bwMode="auto" r:id="rId3">
             <p14:nvContentPartPr>
               <p14:cNvPr id="73" name="Ink 72">
@@ -10920,7 +10938,7 @@
             </p14:xfrm>
           </p:contentPart>
         </mc:Choice>
-        <mc:Fallback>
+        <mc:Fallback xmlns="">
           <p:pic>
             <p:nvPicPr>
               <p:cNvPr id="73" name="Ink 72">
@@ -13566,7 +13584,7 @@
           <p:cNvPr id="2" name="Titre 1">
             <a:extLst>
               <a:ext uri="{FF2B5EF4-FFF2-40B4-BE49-F238E27FC236}">
-                <a16:creationId xmlns:a16="http://schemas.microsoft.com/office/drawing/2014/main" id="{0107320E-7A0A-41EF-929A-E97AEFD8B8AB}"/>
+                <a16:creationId xmlns:a16="http://schemas.microsoft.com/office/drawing/2014/main" id="{8341910C-8EAD-4D9B-922B-EA8FDEF736E3}"/>
               </a:ext>
             </a:extLst>
           </p:cNvPr>
@@ -13591,18 +13609,18 @@
           <a:p>
             <a:pPr algn="ctr"/>
             <a:r>
-              <a:rPr lang="en-US" sz="2200"/>
-              <a:t>Démonstration </a:t>
+              <a:rPr lang="en-US"/>
+              <a:t>Conclusion </a:t>
             </a:r>
           </a:p>
         </p:txBody>
       </p:sp>
       <p:pic>
         <p:nvPicPr>
-          <p:cNvPr id="2050" name="Picture 2" descr="6 conseils pour réussir sa démonstration de produit">
+          <p:cNvPr id="3074" name="Picture 2" descr="CONCLUSION Illustration Stock | Adobe Stock">
             <a:extLst>
               <a:ext uri="{FF2B5EF4-FFF2-40B4-BE49-F238E27FC236}">
-                <a16:creationId xmlns:a16="http://schemas.microsoft.com/office/drawing/2014/main" id="{F3613655-CB48-4B77-A551-232D2FFEA4FA}"/>
+                <a16:creationId xmlns:a16="http://schemas.microsoft.com/office/drawing/2014/main" id="{95432120-52E8-444F-B30E-B8956CAB4335}"/>
               </a:ext>
             </a:extLst>
           </p:cNvPr>
@@ -13613,7 +13631,7 @@
             <p:ph idx="1"/>
           </p:nvPr>
         </p:nvPicPr>
-        <p:blipFill>
+        <p:blipFill rotWithShape="1">
           <a:blip r:embed="rId5">
             <a:extLst>
               <a:ext uri="{28A0092B-C50C-407E-A947-70E740481C1C}">
@@ -13621,14 +13639,13 @@
               </a:ext>
             </a:extLst>
           </a:blip>
-          <a:stretch>
-            <a:fillRect/>
-          </a:stretch>
+          <a:srcRect l="4249" t="-536" r="-1276" b="536"/>
+          <a:stretch/>
         </p:blipFill>
         <p:spPr bwMode="auto">
           <a:xfrm>
-            <a:off x="5617029" y="1503731"/>
-            <a:ext cx="5857124" cy="3894987"/>
+            <a:off x="5865919" y="1357041"/>
+            <a:ext cx="5682953" cy="4143915"/>
           </a:xfrm>
           <a:prstGeom prst="rect">
             <a:avLst/>
@@ -13648,7 +13665,7 @@
     </p:spTree>
     <p:extLst>
       <p:ext uri="{BB962C8B-B14F-4D97-AF65-F5344CB8AC3E}">
-        <p14:creationId xmlns:p14="http://schemas.microsoft.com/office/powerpoint/2010/main" val="584674011"/>
+        <p14:creationId xmlns:p14="http://schemas.microsoft.com/office/powerpoint/2010/main" val="319242780"/>
       </p:ext>
     </p:extLst>
   </p:cSld>
